--- a/DevRock #01 log4net.pptx
+++ b/DevRock #01 log4net.pptx
@@ -151,7 +151,7 @@
   </p:defaultTextStyle>
   <p:extLst>
     <p:ext uri="{EFAFB233-063F-42B5-8137-9DF3F51BA10A}">
-      <p15:sldGuideLst xmlns="" xmlns:p15="http://schemas.microsoft.com/office/powerpoint/2012/main">
+      <p15:sldGuideLst xmlns:p15="http://schemas.microsoft.com/office/powerpoint/2012/main" xmlns="">
         <p15:guide id="1" orient="horz" pos="2160">
           <p15:clr>
             <a:srgbClr val="A4A3A4"/>
@@ -205,7 +205,7 @@
               <a:lum bright="70000" contrast="-70000"/>
               <a:extLst>
                 <a:ext uri="{BEBA8EAE-BF5A-486C-A8C5-ECC9F3942E4B}">
-                  <a14:imgProps xmlns="" xmlns:a14="http://schemas.microsoft.com/office/drawing/2010/main">
+                  <a14:imgProps xmlns:a14="http://schemas.microsoft.com/office/drawing/2010/main" xmlns="">
                     <a14:imgLayer r:embed="rId3">
                       <a14:imgEffect>
                         <a14:sharpenSoften amount="61000"/>
@@ -214,7 +214,7 @@
                   </a14:imgProps>
                 </a:ext>
                 <a:ext uri="{28A0092B-C50C-407E-A947-70E740481C1C}">
-                  <a14:useLocalDpi xmlns="" xmlns:a14="http://schemas.microsoft.com/office/drawing/2010/main" val="0"/>
+                  <a14:useLocalDpi xmlns:a14="http://schemas.microsoft.com/office/drawing/2010/main" xmlns="" val="0"/>
                 </a:ext>
               </a:extLst>
             </a:blip>
@@ -262,7 +262,7 @@
               <a:lum bright="70000" contrast="-70000"/>
               <a:extLst>
                 <a:ext uri="{BEBA8EAE-BF5A-486C-A8C5-ECC9F3942E4B}">
-                  <a14:imgProps xmlns="" xmlns:a14="http://schemas.microsoft.com/office/drawing/2010/main">
+                  <a14:imgProps xmlns:a14="http://schemas.microsoft.com/office/drawing/2010/main" xmlns="">
                     <a14:imgLayer r:embed="rId3">
                       <a14:imgEffect>
                         <a14:sharpenSoften amount="61000"/>
@@ -271,7 +271,7 @@
                   </a14:imgProps>
                 </a:ext>
                 <a:ext uri="{28A0092B-C50C-407E-A947-70E740481C1C}">
-                  <a14:useLocalDpi xmlns="" xmlns:a14="http://schemas.microsoft.com/office/drawing/2010/main" val="0"/>
+                  <a14:useLocalDpi xmlns:a14="http://schemas.microsoft.com/office/drawing/2010/main" xmlns="" val="0"/>
                 </a:ext>
               </a:extLst>
             </a:blip>
@@ -319,7 +319,7 @@
               <a:lum bright="70000" contrast="-70000"/>
               <a:extLst>
                 <a:ext uri="{BEBA8EAE-BF5A-486C-A8C5-ECC9F3942E4B}">
-                  <a14:imgProps xmlns="" xmlns:a14="http://schemas.microsoft.com/office/drawing/2010/main">
+                  <a14:imgProps xmlns:a14="http://schemas.microsoft.com/office/drawing/2010/main" xmlns="">
                     <a14:imgLayer r:embed="rId3">
                       <a14:imgEffect>
                         <a14:sharpenSoften amount="61000"/>
@@ -328,7 +328,7 @@
                   </a14:imgProps>
                 </a:ext>
                 <a:ext uri="{28A0092B-C50C-407E-A947-70E740481C1C}">
-                  <a14:useLocalDpi xmlns="" xmlns:a14="http://schemas.microsoft.com/office/drawing/2010/main" val="0"/>
+                  <a14:useLocalDpi xmlns:a14="http://schemas.microsoft.com/office/drawing/2010/main" xmlns="" val="0"/>
                 </a:ext>
               </a:extLst>
             </a:blip>
@@ -397,7 +397,7 @@
                 </a:duotone>
                 <a:extLst>
                   <a:ext uri="{BEBA8EAE-BF5A-486C-A8C5-ECC9F3942E4B}">
-                    <a14:imgProps xmlns="" xmlns:a14="http://schemas.microsoft.com/office/drawing/2010/main">
+                    <a14:imgProps xmlns:a14="http://schemas.microsoft.com/office/drawing/2010/main" xmlns="">
                       <a14:imgLayer r:embed="rId5">
                         <a14:imgEffect>
                           <a14:saturation sat="95000"/>
@@ -640,7 +640,7 @@
     </p:spTree>
     <p:extLst>
       <p:ext uri="{BB962C8B-B14F-4D97-AF65-F5344CB8AC3E}">
-        <p14:creationId xmlns="" xmlns:p14="http://schemas.microsoft.com/office/powerpoint/2010/main" val="3068201594"/>
+        <p14:creationId xmlns:p14="http://schemas.microsoft.com/office/powerpoint/2010/main" xmlns="" val="3068201594"/>
       </p:ext>
     </p:extLst>
   </p:cSld>
@@ -812,7 +812,7 @@
     </p:spTree>
     <p:extLst>
       <p:ext uri="{BB962C8B-B14F-4D97-AF65-F5344CB8AC3E}">
-        <p14:creationId xmlns="" xmlns:p14="http://schemas.microsoft.com/office/powerpoint/2010/main" val="3798560115"/>
+        <p14:creationId xmlns:p14="http://schemas.microsoft.com/office/powerpoint/2010/main" xmlns="" val="3798560115"/>
       </p:ext>
     </p:extLst>
   </p:cSld>
@@ -998,7 +998,7 @@
     </p:spTree>
     <p:extLst>
       <p:ext uri="{BB962C8B-B14F-4D97-AF65-F5344CB8AC3E}">
-        <p14:creationId xmlns="" xmlns:p14="http://schemas.microsoft.com/office/powerpoint/2010/main" val="1596462645"/>
+        <p14:creationId xmlns:p14="http://schemas.microsoft.com/office/powerpoint/2010/main" xmlns="" val="1596462645"/>
       </p:ext>
     </p:extLst>
   </p:cSld>
@@ -1028,7 +1028,7 @@
     </p:spTree>
     <p:extLst>
       <p:ext uri="{BB962C8B-B14F-4D97-AF65-F5344CB8AC3E}">
-        <p14:creationId xmlns="" xmlns:p14="http://schemas.microsoft.com/office/powerpoint/2010/main" val="3069684892"/>
+        <p14:creationId xmlns:p14="http://schemas.microsoft.com/office/powerpoint/2010/main" xmlns="" val="3069684892"/>
       </p:ext>
     </p:extLst>
   </p:cSld>
@@ -1058,7 +1058,7 @@
     </p:spTree>
     <p:extLst>
       <p:ext uri="{BB962C8B-B14F-4D97-AF65-F5344CB8AC3E}">
-        <p14:creationId xmlns="" xmlns:p14="http://schemas.microsoft.com/office/powerpoint/2010/main" val="526858212"/>
+        <p14:creationId xmlns:p14="http://schemas.microsoft.com/office/powerpoint/2010/main" xmlns="" val="526858212"/>
       </p:ext>
     </p:extLst>
   </p:cSld>
@@ -1230,7 +1230,7 @@
     </p:spTree>
     <p:extLst>
       <p:ext uri="{BB962C8B-B14F-4D97-AF65-F5344CB8AC3E}">
-        <p14:creationId xmlns="" xmlns:p14="http://schemas.microsoft.com/office/powerpoint/2010/main" val="2409683623"/>
+        <p14:creationId xmlns:p14="http://schemas.microsoft.com/office/powerpoint/2010/main" xmlns="" val="2409683623"/>
       </p:ext>
     </p:extLst>
   </p:cSld>
@@ -1277,7 +1277,7 @@
               <a:lum bright="70000" contrast="-70000"/>
               <a:extLst>
                 <a:ext uri="{BEBA8EAE-BF5A-486C-A8C5-ECC9F3942E4B}">
-                  <a14:imgProps xmlns="" xmlns:a14="http://schemas.microsoft.com/office/drawing/2010/main">
+                  <a14:imgProps xmlns:a14="http://schemas.microsoft.com/office/drawing/2010/main" xmlns="">
                     <a14:imgLayer r:embed="rId3">
                       <a14:imgEffect>
                         <a14:sharpenSoften amount="61000"/>
@@ -1286,7 +1286,7 @@
                   </a14:imgProps>
                 </a:ext>
                 <a:ext uri="{28A0092B-C50C-407E-A947-70E740481C1C}">
-                  <a14:useLocalDpi xmlns="" xmlns:a14="http://schemas.microsoft.com/office/drawing/2010/main" val="0"/>
+                  <a14:useLocalDpi xmlns:a14="http://schemas.microsoft.com/office/drawing/2010/main" xmlns="" val="0"/>
                 </a:ext>
               </a:extLst>
             </a:blip>
@@ -1586,7 +1586,7 @@
                 </a:duotone>
                 <a:extLst>
                   <a:ext uri="{BEBA8EAE-BF5A-486C-A8C5-ECC9F3942E4B}">
-                    <a14:imgProps xmlns="" xmlns:a14="http://schemas.microsoft.com/office/drawing/2010/main">
+                    <a14:imgProps xmlns:a14="http://schemas.microsoft.com/office/drawing/2010/main" xmlns="">
                       <a14:imgLayer r:embed="rId5">
                         <a14:imgEffect>
                           <a14:saturation sat="95000"/>
@@ -1667,7 +1667,7 @@
     </p:spTree>
     <p:extLst>
       <p:ext uri="{BB962C8B-B14F-4D97-AF65-F5344CB8AC3E}">
-        <p14:creationId xmlns="" xmlns:p14="http://schemas.microsoft.com/office/powerpoint/2010/main" val="1601049588"/>
+        <p14:creationId xmlns:p14="http://schemas.microsoft.com/office/powerpoint/2010/main" xmlns="" val="1601049588"/>
       </p:ext>
     </p:extLst>
   </p:cSld>
@@ -1957,7 +1957,7 @@
     </p:spTree>
     <p:extLst>
       <p:ext uri="{BB962C8B-B14F-4D97-AF65-F5344CB8AC3E}">
-        <p14:creationId xmlns="" xmlns:p14="http://schemas.microsoft.com/office/powerpoint/2010/main" val="2879378955"/>
+        <p14:creationId xmlns:p14="http://schemas.microsoft.com/office/powerpoint/2010/main" xmlns="" val="2879378955"/>
       </p:ext>
     </p:extLst>
   </p:cSld>
@@ -2393,7 +2393,7 @@
     </p:spTree>
     <p:extLst>
       <p:ext uri="{BB962C8B-B14F-4D97-AF65-F5344CB8AC3E}">
-        <p14:creationId xmlns="" xmlns:p14="http://schemas.microsoft.com/office/powerpoint/2010/main" val="3194285542"/>
+        <p14:creationId xmlns:p14="http://schemas.microsoft.com/office/powerpoint/2010/main" xmlns="" val="3194285542"/>
       </p:ext>
     </p:extLst>
   </p:cSld>
@@ -2533,7 +2533,7 @@
     </p:spTree>
     <p:extLst>
       <p:ext uri="{BB962C8B-B14F-4D97-AF65-F5344CB8AC3E}">
-        <p14:creationId xmlns="" xmlns:p14="http://schemas.microsoft.com/office/powerpoint/2010/main" val="3293299155"/>
+        <p14:creationId xmlns:p14="http://schemas.microsoft.com/office/powerpoint/2010/main" xmlns="" val="3293299155"/>
       </p:ext>
     </p:extLst>
   </p:cSld>
@@ -2630,7 +2630,7 @@
     </p:spTree>
     <p:extLst>
       <p:ext uri="{BB962C8B-B14F-4D97-AF65-F5344CB8AC3E}">
-        <p14:creationId xmlns="" xmlns:p14="http://schemas.microsoft.com/office/powerpoint/2010/main" val="3477155801"/>
+        <p14:creationId xmlns:p14="http://schemas.microsoft.com/office/powerpoint/2010/main" xmlns="" val="3477155801"/>
       </p:ext>
     </p:extLst>
   </p:cSld>
@@ -2677,7 +2677,7 @@
               <a:lum bright="70000" contrast="-70000"/>
               <a:extLst>
                 <a:ext uri="{BEBA8EAE-BF5A-486C-A8C5-ECC9F3942E4B}">
-                  <a14:imgProps xmlns="" xmlns:a14="http://schemas.microsoft.com/office/drawing/2010/main">
+                  <a14:imgProps xmlns:a14="http://schemas.microsoft.com/office/drawing/2010/main" xmlns="">
                     <a14:imgLayer r:embed="rId3">
                       <a14:imgEffect>
                         <a14:sharpenSoften amount="61000"/>
@@ -2686,7 +2686,7 @@
                   </a14:imgProps>
                 </a:ext>
                 <a:ext uri="{28A0092B-C50C-407E-A947-70E740481C1C}">
-                  <a14:useLocalDpi xmlns="" xmlns:a14="http://schemas.microsoft.com/office/drawing/2010/main" val="0"/>
+                  <a14:useLocalDpi xmlns:a14="http://schemas.microsoft.com/office/drawing/2010/main" xmlns="" val="0"/>
                 </a:ext>
               </a:extLst>
             </a:blip>
@@ -2953,7 +2953,7 @@
                 </a:duotone>
                 <a:extLst>
                   <a:ext uri="{BEBA8EAE-BF5A-486C-A8C5-ECC9F3942E4B}">
-                    <a14:imgProps xmlns="" xmlns:a14="http://schemas.microsoft.com/office/drawing/2010/main">
+                    <a14:imgProps xmlns:a14="http://schemas.microsoft.com/office/drawing/2010/main" xmlns="">
                       <a14:imgLayer r:embed="rId5">
                         <a14:imgEffect>
                           <a14:saturation sat="95000"/>
@@ -3073,7 +3073,7 @@
     </p:spTree>
     <p:extLst>
       <p:ext uri="{BB962C8B-B14F-4D97-AF65-F5344CB8AC3E}">
-        <p14:creationId xmlns="" xmlns:p14="http://schemas.microsoft.com/office/powerpoint/2010/main" val="3847207844"/>
+        <p14:creationId xmlns:p14="http://schemas.microsoft.com/office/powerpoint/2010/main" xmlns="" val="3847207844"/>
       </p:ext>
     </p:extLst>
   </p:cSld>
@@ -3120,7 +3120,7 @@
               <a:lum bright="70000" contrast="-70000"/>
               <a:extLst>
                 <a:ext uri="{BEBA8EAE-BF5A-486C-A8C5-ECC9F3942E4B}">
-                  <a14:imgProps xmlns="" xmlns:a14="http://schemas.microsoft.com/office/drawing/2010/main">
+                  <a14:imgProps xmlns:a14="http://schemas.microsoft.com/office/drawing/2010/main" xmlns="">
                     <a14:imgLayer r:embed="rId3">
                       <a14:imgEffect>
                         <a14:sharpenSoften amount="61000"/>
@@ -3129,7 +3129,7 @@
                   </a14:imgProps>
                 </a:ext>
                 <a:ext uri="{28A0092B-C50C-407E-A947-70E740481C1C}">
-                  <a14:useLocalDpi xmlns="" xmlns:a14="http://schemas.microsoft.com/office/drawing/2010/main" val="0"/>
+                  <a14:useLocalDpi xmlns:a14="http://schemas.microsoft.com/office/drawing/2010/main" xmlns="" val="0"/>
                 </a:ext>
               </a:extLst>
             </a:blip>
@@ -3382,7 +3382,7 @@
                 </a:duotone>
                 <a:extLst>
                   <a:ext uri="{BEBA8EAE-BF5A-486C-A8C5-ECC9F3942E4B}">
-                    <a14:imgProps xmlns="" xmlns:a14="http://schemas.microsoft.com/office/drawing/2010/main">
+                    <a14:imgProps xmlns:a14="http://schemas.microsoft.com/office/drawing/2010/main" xmlns="">
                       <a14:imgLayer r:embed="rId5">
                         <a14:imgEffect>
                           <a14:saturation sat="95000"/>
@@ -3483,7 +3483,7 @@
     </p:spTree>
     <p:extLst>
       <p:ext uri="{BB962C8B-B14F-4D97-AF65-F5344CB8AC3E}">
-        <p14:creationId xmlns="" xmlns:p14="http://schemas.microsoft.com/office/powerpoint/2010/main" val="1877230232"/>
+        <p14:creationId xmlns:p14="http://schemas.microsoft.com/office/powerpoint/2010/main" xmlns="" val="1877230232"/>
       </p:ext>
     </p:extLst>
   </p:cSld>
@@ -3556,7 +3556,7 @@
                 </a:duotone>
                 <a:extLst>
                   <a:ext uri="{BEBA8EAE-BF5A-486C-A8C5-ECC9F3942E4B}">
-                    <a14:imgProps xmlns="" xmlns:a14="http://schemas.microsoft.com/office/drawing/2010/main">
+                    <a14:imgProps xmlns:a14="http://schemas.microsoft.com/office/drawing/2010/main" xmlns="">
                       <a14:imgLayer r:embed="rId14">
                         <a14:imgEffect>
                           <a14:saturation sat="95000"/>
@@ -3824,7 +3824,7 @@
     </p:spTree>
     <p:extLst>
       <p:ext uri="{BB962C8B-B14F-4D97-AF65-F5344CB8AC3E}">
-        <p14:creationId xmlns="" xmlns:p14="http://schemas.microsoft.com/office/powerpoint/2010/main" val="435679847"/>
+        <p14:creationId xmlns:p14="http://schemas.microsoft.com/office/powerpoint/2010/main" xmlns="" val="435679847"/>
       </p:ext>
     </p:extLst>
   </p:cSld>
@@ -3857,7 +3857,7 @@
             <a:blip r:embed="rId15">
               <a:extLst>
                 <a:ext uri="{28A0092B-C50C-407E-A947-70E740481C1C}">
-                  <a14:useLocalDpi xmlns="" xmlns:a14="http://schemas.microsoft.com/office/drawing/2010/main" val="0"/>
+                  <a14:useLocalDpi xmlns:a14="http://schemas.microsoft.com/office/drawing/2010/main" xmlns="" val="0"/>
                 </a:ext>
               </a:extLst>
             </a:blip>
@@ -4235,7 +4235,7 @@
     </p:spTree>
     <p:extLst>
       <p:ext uri="{BB962C8B-B14F-4D97-AF65-F5344CB8AC3E}">
-        <p14:creationId xmlns="" xmlns:p14="http://schemas.microsoft.com/office/powerpoint/2010/main" val="3724005496"/>
+        <p14:creationId xmlns:p14="http://schemas.microsoft.com/office/powerpoint/2010/main" xmlns="" val="3724005496"/>
       </p:ext>
     </p:extLst>
   </p:cSld>
@@ -4814,7 +4814,7 @@
     </p:spTree>
     <p:extLst>
       <p:ext uri="{BB962C8B-B14F-4D97-AF65-F5344CB8AC3E}">
-        <p14:creationId xmlns="" xmlns:p14="http://schemas.microsoft.com/office/powerpoint/2010/main" val="2449365006"/>
+        <p14:creationId xmlns:p14="http://schemas.microsoft.com/office/powerpoint/2010/main" xmlns="" val="2449365006"/>
       </p:ext>
     </p:extLst>
   </p:cSld>
@@ -4976,11 +4976,7 @@
             </a:r>
             <a:r>
               <a:rPr lang="en-US" sz="2400" dirty="0" smtClean="0"/>
-              <a:t> </a:t>
-            </a:r>
-            <a:r>
-              <a:rPr lang="en-US" sz="2400" dirty="0" smtClean="0"/>
-              <a:t>or </a:t>
+              <a:t> or </a:t>
             </a:r>
             <a:r>
               <a:rPr lang="en-US" sz="2400" dirty="0" err="1" smtClean="0"/>
@@ -4988,11 +4984,7 @@
             </a:r>
             <a:r>
               <a:rPr lang="en-US" sz="2400" dirty="0" smtClean="0"/>
-              <a:t> </a:t>
-            </a:r>
-            <a:r>
-              <a:rPr lang="en-US" sz="2400" dirty="0" smtClean="0"/>
-              <a:t>choose only one </a:t>
+              <a:t> choose only one </a:t>
             </a:r>
           </a:p>
           <a:p>
@@ -5003,23 +4995,15 @@
             </a:r>
             <a:r>
               <a:rPr lang="en-US" sz="2400" dirty="0" smtClean="0"/>
-              <a:t> (log4net.Config, </a:t>
-            </a:r>
+              <a:t> (log4net.Config, log4net.Config.Watch key)</a:t>
+            </a:r>
+            <a:endParaRPr lang="en-US" sz="2200" dirty="0" smtClean="0"/>
+          </a:p>
+          <a:p>
+            <a:pPr lvl="1"/>
             <a:r>
               <a:rPr lang="en-US" sz="2400" dirty="0" smtClean="0"/>
-              <a:t>log4net.Config.Watch key)</a:t>
-            </a:r>
-            <a:endParaRPr lang="en-US" sz="2200" dirty="0" smtClean="0"/>
-          </a:p>
-          <a:p>
-            <a:pPr lvl="1"/>
-            <a:r>
-              <a:rPr lang="en-US" sz="2400" dirty="0" smtClean="0"/>
-              <a:t>This </a:t>
-            </a:r>
-            <a:r>
-              <a:rPr lang="en-US" sz="2400" dirty="0" smtClean="0"/>
-              <a:t>file path is relative to the application base directory (</a:t>
+              <a:t>This file path is relative to the application base directory (</a:t>
             </a:r>
             <a:r>
               <a:rPr lang="en-US" sz="2400" dirty="0" err="1" smtClean="0"/>
@@ -5038,15 +5022,7 @@
             </a:r>
             <a:r>
               <a:rPr lang="en-US" sz="2400" b="1" dirty="0" smtClean="0"/>
-              <a:t>Copy </a:t>
-            </a:r>
-            <a:r>
-              <a:rPr lang="en-US" sz="2400" b="1" dirty="0" smtClean="0"/>
-              <a:t>to output directory: Copy </a:t>
-            </a:r>
-            <a:r>
-              <a:rPr lang="en-US" sz="2400" b="1" dirty="0" smtClean="0"/>
-              <a:t>Always</a:t>
+              <a:t>Copy to output directory: Copy Always</a:t>
             </a:r>
           </a:p>
           <a:p>
@@ -5067,7 +5043,7 @@
     </p:spTree>
     <p:extLst>
       <p:ext uri="{BB962C8B-B14F-4D97-AF65-F5344CB8AC3E}">
-        <p14:creationId xmlns="" xmlns:p14="http://schemas.microsoft.com/office/powerpoint/2010/main" val="1602840305"/>
+        <p14:creationId xmlns:p14="http://schemas.microsoft.com/office/powerpoint/2010/main" xmlns="" val="1602840305"/>
       </p:ext>
     </p:extLst>
   </p:cSld>
@@ -5241,11 +5217,7 @@
             </a:r>
             <a:r>
               <a:rPr lang="en-US" dirty="0" smtClean="0"/>
-              <a:t> = "log4net", Watch = true</a:t>
-            </a:r>
-            <a:r>
-              <a:rPr lang="en-US" dirty="0" smtClean="0"/>
-              <a:t>)]</a:t>
+              <a:t> = "log4net", Watch = true)]</a:t>
             </a:r>
             <a:br>
               <a:rPr lang="en-US" dirty="0" smtClean="0"/>
@@ -5256,26 +5228,14 @@
             <a:pPr lvl="1"/>
             <a:r>
               <a:rPr lang="en-US" dirty="0" smtClean="0"/>
-              <a:t>&lt;</a:t>
-            </a:r>
-            <a:r>
-              <a:rPr lang="en-US" dirty="0" smtClean="0"/>
-              <a:t>add key="log4net.Config" value="log4net.xml</a:t>
-            </a:r>
-            <a:r>
-              <a:rPr lang="en-US" dirty="0" smtClean="0"/>
-              <a:t>"/&gt;</a:t>
+              <a:t>&lt;add key="log4net.Config" value="log4net.xml"/&gt;</a:t>
             </a:r>
             <a:br>
               <a:rPr lang="en-US" dirty="0" smtClean="0"/>
             </a:br>
             <a:r>
               <a:rPr lang="en-US" dirty="0" smtClean="0"/>
-              <a:t>&lt;</a:t>
-            </a:r>
-            <a:r>
-              <a:rPr lang="en-US" dirty="0" smtClean="0"/>
-              <a:t>add key="log4net.Config.Watch" value="true"/&gt;</a:t>
+              <a:t>&lt;add key="log4net.Config.Watch" value="true"/&gt;</a:t>
             </a:r>
             <a:endParaRPr lang="en-US" b="1" dirty="0" smtClean="0"/>
           </a:p>
@@ -5293,7 +5253,7 @@
     </p:spTree>
     <p:extLst>
       <p:ext uri="{BB962C8B-B14F-4D97-AF65-F5344CB8AC3E}">
-        <p14:creationId xmlns="" xmlns:p14="http://schemas.microsoft.com/office/powerpoint/2010/main" val="1602840305"/>
+        <p14:creationId xmlns:p14="http://schemas.microsoft.com/office/powerpoint/2010/main" xmlns="" val="1602840305"/>
       </p:ext>
     </p:extLst>
   </p:cSld>
@@ -5445,7 +5405,7 @@
     </p:spTree>
     <p:extLst>
       <p:ext uri="{BB962C8B-B14F-4D97-AF65-F5344CB8AC3E}">
-        <p14:creationId xmlns="" xmlns:p14="http://schemas.microsoft.com/office/powerpoint/2010/main" val="3197839665"/>
+        <p14:creationId xmlns:p14="http://schemas.microsoft.com/office/powerpoint/2010/main" xmlns="" val="3197839665"/>
       </p:ext>
     </p:extLst>
   </p:cSld>
@@ -5701,7 +5661,7 @@
     </p:spTree>
     <p:extLst>
       <p:ext uri="{BB962C8B-B14F-4D97-AF65-F5344CB8AC3E}">
-        <p14:creationId xmlns="" xmlns:p14="http://schemas.microsoft.com/office/powerpoint/2010/main" val="1602840305"/>
+        <p14:creationId xmlns:p14="http://schemas.microsoft.com/office/powerpoint/2010/main" xmlns="" val="1602840305"/>
       </p:ext>
     </p:extLst>
   </p:cSld>
@@ -5853,7 +5813,7 @@
     </p:spTree>
     <p:extLst>
       <p:ext uri="{BB962C8B-B14F-4D97-AF65-F5344CB8AC3E}">
-        <p14:creationId xmlns="" xmlns:p14="http://schemas.microsoft.com/office/powerpoint/2010/main" val="3197839665"/>
+        <p14:creationId xmlns:p14="http://schemas.microsoft.com/office/powerpoint/2010/main" xmlns="" val="3197839665"/>
       </p:ext>
     </p:extLst>
   </p:cSld>
@@ -6525,7 +6485,7 @@
     </p:spTree>
     <p:extLst>
       <p:ext uri="{BB962C8B-B14F-4D97-AF65-F5344CB8AC3E}">
-        <p14:creationId xmlns="" xmlns:p14="http://schemas.microsoft.com/office/powerpoint/2010/main" val="3197839665"/>
+        <p14:creationId xmlns:p14="http://schemas.microsoft.com/office/powerpoint/2010/main" xmlns="" val="3197839665"/>
       </p:ext>
     </p:extLst>
   </p:cSld>
@@ -6718,7 +6678,7 @@
     </p:spTree>
     <p:extLst>
       <p:ext uri="{BB962C8B-B14F-4D97-AF65-F5344CB8AC3E}">
-        <p14:creationId xmlns="" xmlns:p14="http://schemas.microsoft.com/office/powerpoint/2010/main" val="1602840305"/>
+        <p14:creationId xmlns:p14="http://schemas.microsoft.com/office/powerpoint/2010/main" xmlns="" val="1602840305"/>
       </p:ext>
     </p:extLst>
   </p:cSld>
@@ -6934,7 +6894,7 @@
     </p:spTree>
     <p:extLst>
       <p:ext uri="{BB962C8B-B14F-4D97-AF65-F5344CB8AC3E}">
-        <p14:creationId xmlns="" xmlns:p14="http://schemas.microsoft.com/office/powerpoint/2010/main" val="1602840305"/>
+        <p14:creationId xmlns:p14="http://schemas.microsoft.com/office/powerpoint/2010/main" xmlns="" val="1602840305"/>
       </p:ext>
     </p:extLst>
   </p:cSld>
@@ -7177,7 +7137,7 @@
     </p:spTree>
     <p:extLst>
       <p:ext uri="{BB962C8B-B14F-4D97-AF65-F5344CB8AC3E}">
-        <p14:creationId xmlns="" xmlns:p14="http://schemas.microsoft.com/office/powerpoint/2010/main" val="1602840305"/>
+        <p14:creationId xmlns:p14="http://schemas.microsoft.com/office/powerpoint/2010/main" xmlns="" val="1602840305"/>
       </p:ext>
     </p:extLst>
   </p:cSld>
@@ -7408,7 +7368,7 @@
     </p:spTree>
     <p:extLst>
       <p:ext uri="{BB962C8B-B14F-4D97-AF65-F5344CB8AC3E}">
-        <p14:creationId xmlns="" xmlns:p14="http://schemas.microsoft.com/office/powerpoint/2010/main" val="1602840305"/>
+        <p14:creationId xmlns:p14="http://schemas.microsoft.com/office/powerpoint/2010/main" xmlns="" val="1602840305"/>
       </p:ext>
     </p:extLst>
   </p:cSld>
@@ -7560,7 +7520,7 @@
     </p:spTree>
     <p:extLst>
       <p:ext uri="{BB962C8B-B14F-4D97-AF65-F5344CB8AC3E}">
-        <p14:creationId xmlns="" xmlns:p14="http://schemas.microsoft.com/office/powerpoint/2010/main" val="3197839665"/>
+        <p14:creationId xmlns:p14="http://schemas.microsoft.com/office/powerpoint/2010/main" xmlns="" val="3197839665"/>
       </p:ext>
     </p:extLst>
   </p:cSld>
@@ -7712,7 +7672,7 @@
     </p:spTree>
     <p:extLst>
       <p:ext uri="{BB962C8B-B14F-4D97-AF65-F5344CB8AC3E}">
-        <p14:creationId xmlns="" xmlns:p14="http://schemas.microsoft.com/office/powerpoint/2010/main" val="3197839665"/>
+        <p14:creationId xmlns:p14="http://schemas.microsoft.com/office/powerpoint/2010/main" xmlns="" val="3197839665"/>
       </p:ext>
     </p:extLst>
   </p:cSld>
@@ -7939,7 +7899,7 @@
     </p:spTree>
     <p:extLst>
       <p:ext uri="{BB962C8B-B14F-4D97-AF65-F5344CB8AC3E}">
-        <p14:creationId xmlns="" xmlns:p14="http://schemas.microsoft.com/office/powerpoint/2010/main" val="1602840305"/>
+        <p14:creationId xmlns:p14="http://schemas.microsoft.com/office/powerpoint/2010/main" xmlns="" val="1602840305"/>
       </p:ext>
     </p:extLst>
   </p:cSld>
@@ -8091,7 +8051,7 @@
     </p:spTree>
     <p:extLst>
       <p:ext uri="{BB962C8B-B14F-4D97-AF65-F5344CB8AC3E}">
-        <p14:creationId xmlns="" xmlns:p14="http://schemas.microsoft.com/office/powerpoint/2010/main" val="3197839665"/>
+        <p14:creationId xmlns:p14="http://schemas.microsoft.com/office/powerpoint/2010/main" xmlns="" val="3197839665"/>
       </p:ext>
     </p:extLst>
   </p:cSld>
@@ -8347,7 +8307,7 @@
     </p:spTree>
     <p:extLst>
       <p:ext uri="{BB962C8B-B14F-4D97-AF65-F5344CB8AC3E}">
-        <p14:creationId xmlns="" xmlns:p14="http://schemas.microsoft.com/office/powerpoint/2010/main" val="1602840305"/>
+        <p14:creationId xmlns:p14="http://schemas.microsoft.com/office/powerpoint/2010/main" xmlns="" val="1602840305"/>
       </p:ext>
     </p:extLst>
   </p:cSld>
@@ -8577,7 +8537,7 @@
     </p:spTree>
     <p:extLst>
       <p:ext uri="{BB962C8B-B14F-4D97-AF65-F5344CB8AC3E}">
-        <p14:creationId xmlns="" xmlns:p14="http://schemas.microsoft.com/office/powerpoint/2010/main" val="1602840305"/>
+        <p14:creationId xmlns:p14="http://schemas.microsoft.com/office/powerpoint/2010/main" xmlns="" val="1602840305"/>
       </p:ext>
     </p:extLst>
   </p:cSld>
@@ -8729,7 +8689,7 @@
     </p:spTree>
     <p:extLst>
       <p:ext uri="{BB962C8B-B14F-4D97-AF65-F5344CB8AC3E}">
-        <p14:creationId xmlns="" xmlns:p14="http://schemas.microsoft.com/office/powerpoint/2010/main" val="3197839665"/>
+        <p14:creationId xmlns:p14="http://schemas.microsoft.com/office/powerpoint/2010/main" xmlns="" val="3197839665"/>
       </p:ext>
     </p:extLst>
   </p:cSld>
@@ -8962,7 +8922,7 @@
     </p:spTree>
     <p:extLst>
       <p:ext uri="{BB962C8B-B14F-4D97-AF65-F5344CB8AC3E}">
-        <p14:creationId xmlns="" xmlns:p14="http://schemas.microsoft.com/office/powerpoint/2010/main" val="1602840305"/>
+        <p14:creationId xmlns:p14="http://schemas.microsoft.com/office/powerpoint/2010/main" xmlns="" val="1602840305"/>
       </p:ext>
     </p:extLst>
   </p:cSld>
@@ -9114,7 +9074,7 @@
     </p:spTree>
     <p:extLst>
       <p:ext uri="{BB962C8B-B14F-4D97-AF65-F5344CB8AC3E}">
-        <p14:creationId xmlns="" xmlns:p14="http://schemas.microsoft.com/office/powerpoint/2010/main" val="3197839665"/>
+        <p14:creationId xmlns:p14="http://schemas.microsoft.com/office/powerpoint/2010/main" xmlns="" val="3197839665"/>
       </p:ext>
     </p:extLst>
   </p:cSld>
@@ -9316,7 +9276,7 @@
     </p:spTree>
     <p:extLst>
       <p:ext uri="{BB962C8B-B14F-4D97-AF65-F5344CB8AC3E}">
-        <p14:creationId xmlns="" xmlns:p14="http://schemas.microsoft.com/office/powerpoint/2010/main" val="1602840305"/>
+        <p14:creationId xmlns:p14="http://schemas.microsoft.com/office/powerpoint/2010/main" xmlns="" val="1602840305"/>
       </p:ext>
     </p:extLst>
   </p:cSld>
@@ -9513,7 +9473,7 @@
     </p:spTree>
     <p:extLst>
       <p:ext uri="{BB962C8B-B14F-4D97-AF65-F5344CB8AC3E}">
-        <p14:creationId xmlns="" xmlns:p14="http://schemas.microsoft.com/office/powerpoint/2010/main" val="1602840305"/>
+        <p14:creationId xmlns:p14="http://schemas.microsoft.com/office/powerpoint/2010/main" xmlns="" val="1602840305"/>
       </p:ext>
     </p:extLst>
   </p:cSld>
@@ -9795,7 +9755,7 @@
     </p:spTree>
     <p:extLst>
       <p:ext uri="{BB962C8B-B14F-4D97-AF65-F5344CB8AC3E}">
-        <p14:creationId xmlns="" xmlns:p14="http://schemas.microsoft.com/office/powerpoint/2010/main" val="1602840305"/>
+        <p14:creationId xmlns:p14="http://schemas.microsoft.com/office/powerpoint/2010/main" xmlns="" val="1602840305"/>
       </p:ext>
     </p:extLst>
   </p:cSld>
@@ -10042,7 +10002,7 @@
     </p:spTree>
     <p:extLst>
       <p:ext uri="{BB962C8B-B14F-4D97-AF65-F5344CB8AC3E}">
-        <p14:creationId xmlns="" xmlns:p14="http://schemas.microsoft.com/office/powerpoint/2010/main" val="1602840305"/>
+        <p14:creationId xmlns:p14="http://schemas.microsoft.com/office/powerpoint/2010/main" xmlns="" val="1602840305"/>
       </p:ext>
     </p:extLst>
   </p:cSld>
@@ -10194,7 +10154,7 @@
     </p:spTree>
     <p:extLst>
       <p:ext uri="{BB962C8B-B14F-4D97-AF65-F5344CB8AC3E}">
-        <p14:creationId xmlns="" xmlns:p14="http://schemas.microsoft.com/office/powerpoint/2010/main" val="3197839665"/>
+        <p14:creationId xmlns:p14="http://schemas.microsoft.com/office/powerpoint/2010/main" xmlns="" val="3197839665"/>
       </p:ext>
     </p:extLst>
   </p:cSld>
@@ -10372,7 +10332,7 @@
     </p:spTree>
     <p:extLst>
       <p:ext uri="{BB962C8B-B14F-4D97-AF65-F5344CB8AC3E}">
-        <p14:creationId xmlns="" xmlns:p14="http://schemas.microsoft.com/office/powerpoint/2010/main" val="1602840305"/>
+        <p14:creationId xmlns:p14="http://schemas.microsoft.com/office/powerpoint/2010/main" xmlns="" val="1602840305"/>
       </p:ext>
     </p:extLst>
   </p:cSld>
@@ -10524,7 +10484,7 @@
     </p:spTree>
     <p:extLst>
       <p:ext uri="{BB962C8B-B14F-4D97-AF65-F5344CB8AC3E}">
-        <p14:creationId xmlns="" xmlns:p14="http://schemas.microsoft.com/office/powerpoint/2010/main" val="3197839665"/>
+        <p14:creationId xmlns:p14="http://schemas.microsoft.com/office/powerpoint/2010/main" xmlns="" val="3197839665"/>
       </p:ext>
     </p:extLst>
   </p:cSld>
@@ -10724,7 +10684,7 @@
     </p:spTree>
     <p:extLst>
       <p:ext uri="{BB962C8B-B14F-4D97-AF65-F5344CB8AC3E}">
-        <p14:creationId xmlns="" xmlns:p14="http://schemas.microsoft.com/office/powerpoint/2010/main" val="1602840305"/>
+        <p14:creationId xmlns:p14="http://schemas.microsoft.com/office/powerpoint/2010/main" xmlns="" val="1602840305"/>
       </p:ext>
     </p:extLst>
   </p:cSld>
@@ -10876,7 +10836,7 @@
     </p:spTree>
     <p:extLst>
       <p:ext uri="{BB962C8B-B14F-4D97-AF65-F5344CB8AC3E}">
-        <p14:creationId xmlns="" xmlns:p14="http://schemas.microsoft.com/office/powerpoint/2010/main" val="3197839665"/>
+        <p14:creationId xmlns:p14="http://schemas.microsoft.com/office/powerpoint/2010/main" xmlns="" val="3197839665"/>
       </p:ext>
     </p:extLst>
   </p:cSld>
@@ -11047,7 +11007,7 @@
     </p:spTree>
     <p:extLst>
       <p:ext uri="{BB962C8B-B14F-4D97-AF65-F5344CB8AC3E}">
-        <p14:creationId xmlns="" xmlns:p14="http://schemas.microsoft.com/office/powerpoint/2010/main" val="1602840305"/>
+        <p14:creationId xmlns:p14="http://schemas.microsoft.com/office/powerpoint/2010/main" xmlns="" val="1602840305"/>
       </p:ext>
     </p:extLst>
   </p:cSld>
@@ -11199,7 +11159,7 @@
     </p:spTree>
     <p:extLst>
       <p:ext uri="{BB962C8B-B14F-4D97-AF65-F5344CB8AC3E}">
-        <p14:creationId xmlns="" xmlns:p14="http://schemas.microsoft.com/office/powerpoint/2010/main" val="3197839665"/>
+        <p14:creationId xmlns:p14="http://schemas.microsoft.com/office/powerpoint/2010/main" xmlns="" val="3197839665"/>
       </p:ext>
     </p:extLst>
   </p:cSld>
@@ -11374,7 +11334,7 @@
     </p:spTree>
     <p:extLst>
       <p:ext uri="{BB962C8B-B14F-4D97-AF65-F5344CB8AC3E}">
-        <p14:creationId xmlns="" xmlns:p14="http://schemas.microsoft.com/office/powerpoint/2010/main" val="1602840305"/>
+        <p14:creationId xmlns:p14="http://schemas.microsoft.com/office/powerpoint/2010/main" xmlns="" val="1602840305"/>
       </p:ext>
     </p:extLst>
   </p:cSld>
@@ -11529,7 +11489,7 @@
     </p:spTree>
     <p:extLst>
       <p:ext uri="{BB962C8B-B14F-4D97-AF65-F5344CB8AC3E}">
-        <p14:creationId xmlns="" xmlns:p14="http://schemas.microsoft.com/office/powerpoint/2010/main" val="1602840305"/>
+        <p14:creationId xmlns:p14="http://schemas.microsoft.com/office/powerpoint/2010/main" xmlns="" val="1602840305"/>
       </p:ext>
     </p:extLst>
   </p:cSld>
@@ -11681,7 +11641,7 @@
     </p:spTree>
     <p:extLst>
       <p:ext uri="{BB962C8B-B14F-4D97-AF65-F5344CB8AC3E}">
-        <p14:creationId xmlns="" xmlns:p14="http://schemas.microsoft.com/office/powerpoint/2010/main" val="3197839665"/>
+        <p14:creationId xmlns:p14="http://schemas.microsoft.com/office/powerpoint/2010/main" xmlns="" val="3197839665"/>
       </p:ext>
     </p:extLst>
   </p:cSld>
@@ -11836,7 +11796,7 @@
     </p:spTree>
     <p:extLst>
       <p:ext uri="{BB962C8B-B14F-4D97-AF65-F5344CB8AC3E}">
-        <p14:creationId xmlns="" xmlns:p14="http://schemas.microsoft.com/office/powerpoint/2010/main" val="1602840305"/>
+        <p14:creationId xmlns:p14="http://schemas.microsoft.com/office/powerpoint/2010/main" xmlns="" val="1602840305"/>
       </p:ext>
     </p:extLst>
   </p:cSld>
@@ -11991,7 +11951,7 @@
     </p:spTree>
     <p:extLst>
       <p:ext uri="{BB962C8B-B14F-4D97-AF65-F5344CB8AC3E}">
-        <p14:creationId xmlns="" xmlns:p14="http://schemas.microsoft.com/office/powerpoint/2010/main" val="1602840305"/>
+        <p14:creationId xmlns:p14="http://schemas.microsoft.com/office/powerpoint/2010/main" xmlns="" val="1602840305"/>
       </p:ext>
     </p:extLst>
   </p:cSld>
@@ -12138,7 +12098,7 @@
     </p:spTree>
     <p:extLst>
       <p:ext uri="{BB962C8B-B14F-4D97-AF65-F5344CB8AC3E}">
-        <p14:creationId xmlns="" xmlns:p14="http://schemas.microsoft.com/office/powerpoint/2010/main" val="3197839665"/>
+        <p14:creationId xmlns:p14="http://schemas.microsoft.com/office/powerpoint/2010/main" xmlns="" val="3197839665"/>
       </p:ext>
     </p:extLst>
   </p:cSld>
@@ -12332,7 +12292,7 @@
     </p:spTree>
     <p:extLst>
       <p:ext uri="{BB962C8B-B14F-4D97-AF65-F5344CB8AC3E}">
-        <p14:creationId xmlns="" xmlns:p14="http://schemas.microsoft.com/office/powerpoint/2010/main" val="3197839665"/>
+        <p14:creationId xmlns:p14="http://schemas.microsoft.com/office/powerpoint/2010/main" xmlns="" val="3197839665"/>
       </p:ext>
     </p:extLst>
   </p:cSld>
@@ -12454,7 +12414,7 @@
     </p:spTree>
     <p:extLst>
       <p:ext uri="{BB962C8B-B14F-4D97-AF65-F5344CB8AC3E}">
-        <p14:creationId xmlns="" xmlns:p14="http://schemas.microsoft.com/office/powerpoint/2010/main" val="3197839665"/>
+        <p14:creationId xmlns:p14="http://schemas.microsoft.com/office/powerpoint/2010/main" xmlns="" val="3197839665"/>
       </p:ext>
     </p:extLst>
   </p:cSld>
@@ -12634,7 +12594,7 @@
     </p:spTree>
     <p:extLst>
       <p:ext uri="{BB962C8B-B14F-4D97-AF65-F5344CB8AC3E}">
-        <p14:creationId xmlns="" xmlns:p14="http://schemas.microsoft.com/office/powerpoint/2010/main" val="1602840305"/>
+        <p14:creationId xmlns:p14="http://schemas.microsoft.com/office/powerpoint/2010/main" xmlns="" val="1602840305"/>
       </p:ext>
     </p:extLst>
   </p:cSld>
@@ -12814,7 +12774,7 @@
     </p:spTree>
     <p:extLst>
       <p:ext uri="{BB962C8B-B14F-4D97-AF65-F5344CB8AC3E}">
-        <p14:creationId xmlns="" xmlns:p14="http://schemas.microsoft.com/office/powerpoint/2010/main" val="1602840305"/>
+        <p14:creationId xmlns:p14="http://schemas.microsoft.com/office/powerpoint/2010/main" xmlns="" val="1602840305"/>
       </p:ext>
     </p:extLst>
   </p:cSld>
@@ -12966,7 +12926,7 @@
     </p:spTree>
     <p:extLst>
       <p:ext uri="{BB962C8B-B14F-4D97-AF65-F5344CB8AC3E}">
-        <p14:creationId xmlns="" xmlns:p14="http://schemas.microsoft.com/office/powerpoint/2010/main" val="3197839665"/>
+        <p14:creationId xmlns:p14="http://schemas.microsoft.com/office/powerpoint/2010/main" xmlns="" val="3197839665"/>
       </p:ext>
     </p:extLst>
   </p:cSld>
@@ -13176,7 +13136,7 @@
     </p:spTree>
     <p:extLst>
       <p:ext uri="{BB962C8B-B14F-4D97-AF65-F5344CB8AC3E}">
-        <p14:creationId xmlns="" xmlns:p14="http://schemas.microsoft.com/office/powerpoint/2010/main" val="1602840305"/>
+        <p14:creationId xmlns:p14="http://schemas.microsoft.com/office/powerpoint/2010/main" xmlns="" val="1602840305"/>
       </p:ext>
     </p:extLst>
   </p:cSld>
@@ -13328,7 +13288,7 @@
     </p:spTree>
     <p:extLst>
       <p:ext uri="{BB962C8B-B14F-4D97-AF65-F5344CB8AC3E}">
-        <p14:creationId xmlns="" xmlns:p14="http://schemas.microsoft.com/office/powerpoint/2010/main" val="3197839665"/>
+        <p14:creationId xmlns:p14="http://schemas.microsoft.com/office/powerpoint/2010/main" xmlns="" val="3197839665"/>
       </p:ext>
     </p:extLst>
   </p:cSld>
@@ -13568,7 +13528,7 @@
   <a:extraClrSchemeLst/>
   <a:extLst>
     <a:ext uri="{05A4C25C-085E-4340-85A3-A5531E510DB2}">
-      <thm15:themeFamily xmlns="" xmlns:thm15="http://schemas.microsoft.com/office/thememl/2012/main" name="Wood Type" id="{7ACABC62-BF99-48CF-A9DC-4DB89C7B13DC}" vid="{142A1326-48AB-42A9-8428-CB14AA30176D}"/>
+      <thm15:themeFamily xmlns:thm15="http://schemas.microsoft.com/office/thememl/2012/main" xmlns="" name="Wood Type" id="{7ACABC62-BF99-48CF-A9DC-4DB89C7B13DC}" vid="{142A1326-48AB-42A9-8428-CB14AA30176D}"/>
     </a:ext>
   </a:extLst>
 </a:theme>
@@ -13829,7 +13789,7 @@
   <a:extraClrSchemeLst/>
   <a:extLst>
     <a:ext uri="{05A4C25C-085E-4340-85A3-A5531E510DB2}">
-      <thm15:themeFamily xmlns="" xmlns:thm15="http://schemas.microsoft.com/office/thememl/2012/main" name="Office Theme" id="{62F939B6-93AF-4DB8-9C6B-D6C7DFDC589F}" vid="{4A3C46E8-61CC-4603-A589-7422A47A8E4A}"/>
+      <thm15:themeFamily xmlns:thm15="http://schemas.microsoft.com/office/thememl/2012/main" xmlns="" name="Office Theme" id="{62F939B6-93AF-4DB8-9C6B-D6C7DFDC589F}" vid="{4A3C46E8-61CC-4603-A589-7422A47A8E4A}"/>
     </a:ext>
   </a:extLst>
 </a:theme>
